--- a/Documentation and Notes/Notes.pptx
+++ b/Documentation and Notes/Notes.pptx
@@ -5,21 +5,23 @@
     <p:sldMasterId id="2147483658" r:id="rId1"/>
   </p:sldMasterIdLst>
   <p:notesMasterIdLst>
-    <p:notesMasterId r:id="rId4"/>
+    <p:notesMasterId r:id="rId6"/>
   </p:notesMasterIdLst>
   <p:sldIdLst>
-    <p:sldId id="282" r:id="rId2"/>
-    <p:sldId id="290" r:id="rId3"/>
+    <p:sldId id="290" r:id="rId2"/>
+    <p:sldId id="291" r:id="rId3"/>
+    <p:sldId id="292" r:id="rId4"/>
+    <p:sldId id="293" r:id="rId5"/>
   </p:sldIdLst>
   <p:sldSz cx="9144000" cy="5143500" type="screen16x9"/>
   <p:notesSz cx="6858000" cy="9144000"/>
   <p:embeddedFontLst>
     <p:embeddedFont>
       <p:font typeface="Roboto" panose="020B0604020202020204" charset="0"/>
-      <p:regular r:id="rId5"/>
-      <p:bold r:id="rId6"/>
-      <p:italic r:id="rId7"/>
-      <p:boldItalic r:id="rId8"/>
+      <p:regular r:id="rId7"/>
+      <p:bold r:id="rId8"/>
+      <p:italic r:id="rId9"/>
+      <p:boldItalic r:id="rId10"/>
     </p:embeddedFont>
   </p:embeddedFontLst>
   <p:defaultTextStyle>
@@ -721,6 +723,119 @@
 </p:notesMaster>
 </file>
 
+<file path=ppt/notesSlides/notesSlide1.xml><?xml version="1.0" encoding="utf-8"?>
+<p:notes xmlns:a="http://schemas.openxmlformats.org/drawingml/2006/main" xmlns:r="http://schemas.openxmlformats.org/officeDocument/2006/relationships" xmlns:p="http://schemas.openxmlformats.org/presentationml/2006/main" showMasterSp="0" showMasterPhAnim="0">
+  <p:cSld>
+    <p:spTree>
+      <p:nvGrpSpPr>
+        <p:cNvPr id="1" name="Shape 64"/>
+        <p:cNvGrpSpPr/>
+        <p:nvPr/>
+      </p:nvGrpSpPr>
+      <p:grpSpPr>
+        <a:xfrm>
+          <a:off x="0" y="0"/>
+          <a:ext cx="0" cy="0"/>
+          <a:chOff x="0" y="0"/>
+          <a:chExt cx="0" cy="0"/>
+        </a:xfrm>
+      </p:grpSpPr>
+      <p:sp>
+        <p:nvSpPr>
+          <p:cNvPr id="65" name="Google Shape;65;g7b19460101_0_0:notes"/>
+          <p:cNvSpPr>
+            <a:spLocks noGrp="1" noRot="1" noChangeAspect="1"/>
+          </p:cNvSpPr>
+          <p:nvPr>
+            <p:ph type="sldImg" idx="2"/>
+          </p:nvPr>
+        </p:nvSpPr>
+        <p:spPr>
+          <a:xfrm>
+            <a:off x="381000" y="685800"/>
+            <a:ext cx="6096000" cy="3429000"/>
+          </a:xfrm>
+          <a:custGeom>
+            <a:avLst/>
+            <a:gdLst/>
+            <a:ahLst/>
+            <a:cxnLst/>
+            <a:rect l="l" t="t" r="r" b="b"/>
+            <a:pathLst>
+              <a:path w="120000" h="120000" extrusionOk="0">
+                <a:moveTo>
+                  <a:pt x="0" y="0"/>
+                </a:moveTo>
+                <a:lnTo>
+                  <a:pt x="120000" y="0"/>
+                </a:lnTo>
+                <a:lnTo>
+                  <a:pt x="120000" y="120000"/>
+                </a:lnTo>
+                <a:lnTo>
+                  <a:pt x="0" y="120000"/>
+                </a:lnTo>
+                <a:close/>
+              </a:path>
+            </a:pathLst>
+          </a:custGeom>
+        </p:spPr>
+      </p:sp>
+      <p:sp>
+        <p:nvSpPr>
+          <p:cNvPr id="66" name="Google Shape;66;g7b19460101_0_0:notes"/>
+          <p:cNvSpPr txBox="1">
+            <a:spLocks noGrp="1"/>
+          </p:cNvSpPr>
+          <p:nvPr>
+            <p:ph type="body" idx="1"/>
+          </p:nvPr>
+        </p:nvSpPr>
+        <p:spPr>
+          <a:xfrm>
+            <a:off x="685800" y="4343400"/>
+            <a:ext cx="5486400" cy="4114800"/>
+          </a:xfrm>
+          <a:prstGeom prst="rect">
+            <a:avLst/>
+          </a:prstGeom>
+        </p:spPr>
+        <p:txBody>
+          <a:bodyPr spcFirstLastPara="1" wrap="square" lIns="91425" tIns="91425" rIns="91425" bIns="91425" anchor="t" anchorCtr="0">
+            <a:noAutofit/>
+          </a:bodyPr>
+          <a:lstStyle/>
+          <a:p>
+            <a:pPr marL="0" lvl="0" indent="0" algn="l" rtl="0">
+              <a:spcBef>
+                <a:spcPts val="0"/>
+              </a:spcBef>
+              <a:spcAft>
+                <a:spcPts val="0"/>
+              </a:spcAft>
+              <a:buNone/>
+            </a:pPr>
+            <a:r>
+              <a:rPr lang="en"/>
+              <a:t>The problem we are trying to solve.</a:t>
+            </a:r>
+            <a:endParaRPr/>
+          </a:p>
+        </p:txBody>
+      </p:sp>
+    </p:spTree>
+    <p:extLst>
+      <p:ext uri="{BB962C8B-B14F-4D97-AF65-F5344CB8AC3E}">
+        <p14:creationId xmlns:p14="http://schemas.microsoft.com/office/powerpoint/2010/main" val="3859027011"/>
+      </p:ext>
+    </p:extLst>
+  </p:cSld>
+  <p:clrMapOvr>
+    <a:masterClrMapping/>
+  </p:clrMapOvr>
+</p:notes>
+</file>
+
 <file path=ppt/slideLayouts/slideLayout1.xml><?xml version="1.0" encoding="utf-8"?>
 <p:sldLayout xmlns:a="http://schemas.openxmlformats.org/drawingml/2006/main" xmlns:r="http://schemas.openxmlformats.org/officeDocument/2006/relationships" xmlns:p="http://schemas.openxmlformats.org/presentationml/2006/main" matchingName="Title slide" type="title">
   <p:cSld name="TITLE">
@@ -3208,6 +3323,849 @@
 </p:sldLayout>
 </file>
 
+<file path=ppt/slideLayouts/slideLayout6.xml><?xml version="1.0" encoding="utf-8"?>
+<p:sldLayout xmlns:a="http://schemas.openxmlformats.org/drawingml/2006/main" xmlns:r="http://schemas.openxmlformats.org/officeDocument/2006/relationships" xmlns:p="http://schemas.openxmlformats.org/presentationml/2006/main" matchingName="Section title and description">
+  <p:cSld name="Section title and description">
+    <p:bg>
+      <p:bgPr>
+        <a:solidFill>
+          <a:srgbClr val="00619D"/>
+        </a:solidFill>
+        <a:effectLst/>
+      </p:bgPr>
+    </p:bg>
+    <p:spTree>
+      <p:nvGrpSpPr>
+        <p:cNvPr id="1" name="Shape 45"/>
+        <p:cNvGrpSpPr/>
+        <p:nvPr/>
+      </p:nvGrpSpPr>
+      <p:grpSpPr>
+        <a:xfrm>
+          <a:off x="0" y="0"/>
+          <a:ext cx="0" cy="0"/>
+          <a:chOff x="0" y="0"/>
+          <a:chExt cx="0" cy="0"/>
+        </a:xfrm>
+      </p:grpSpPr>
+      <p:pic>
+        <p:nvPicPr>
+          <p:cNvPr id="3" name="Picture 2"/>
+          <p:cNvPicPr>
+            <a:picLocks noChangeAspect="1"/>
+          </p:cNvPicPr>
+          <p:nvPr userDrawn="1"/>
+        </p:nvPicPr>
+        <p:blipFill rotWithShape="1">
+          <a:blip r:embed="rId2">
+            <a:extLst>
+              <a:ext uri="{28A0092B-C50C-407E-A947-70E740481C1C}">
+                <a14:useLocalDpi xmlns:a14="http://schemas.microsoft.com/office/drawing/2010/main" val="0"/>
+              </a:ext>
+            </a:extLst>
+          </a:blip>
+          <a:srcRect l="33878"/>
+          <a:stretch/>
+        </p:blipFill>
+        <p:spPr>
+          <a:xfrm>
+            <a:off x="-57151" y="600"/>
+            <a:ext cx="4534629" cy="5143500"/>
+          </a:xfrm>
+          <a:prstGeom prst="rect">
+            <a:avLst/>
+          </a:prstGeom>
+        </p:spPr>
+      </p:pic>
+      <p:sp>
+        <p:nvSpPr>
+          <p:cNvPr id="48" name="Google Shape;48;p9"/>
+          <p:cNvSpPr txBox="1">
+            <a:spLocks noGrp="1"/>
+          </p:cNvSpPr>
+          <p:nvPr>
+            <p:ph type="title"/>
+          </p:nvPr>
+        </p:nvSpPr>
+        <p:spPr>
+          <a:xfrm>
+            <a:off x="265500" y="1233175"/>
+            <a:ext cx="4045200" cy="1482300"/>
+          </a:xfrm>
+          <a:prstGeom prst="rect">
+            <a:avLst/>
+          </a:prstGeom>
+        </p:spPr>
+        <p:txBody>
+          <a:bodyPr spcFirstLastPara="1" wrap="square" lIns="91425" tIns="91425" rIns="91425" bIns="91425" anchor="b" anchorCtr="0">
+            <a:noAutofit/>
+          </a:bodyPr>
+          <a:lstStyle>
+            <a:lvl1pPr lvl="0" algn="ctr" rtl="0">
+              <a:spcBef>
+                <a:spcPts val="0"/>
+              </a:spcBef>
+              <a:spcAft>
+                <a:spcPts val="0"/>
+              </a:spcAft>
+              <a:buClr>
+                <a:srgbClr val="000000"/>
+              </a:buClr>
+              <a:buSzPts val="4200"/>
+              <a:buNone/>
+              <a:defRPr sz="4200">
+                <a:solidFill>
+                  <a:srgbClr val="000000"/>
+                </a:solidFill>
+              </a:defRPr>
+            </a:lvl1pPr>
+            <a:lvl2pPr lvl="1" algn="ctr" rtl="0">
+              <a:spcBef>
+                <a:spcPts val="0"/>
+              </a:spcBef>
+              <a:spcAft>
+                <a:spcPts val="0"/>
+              </a:spcAft>
+              <a:buClr>
+                <a:srgbClr val="000000"/>
+              </a:buClr>
+              <a:buSzPts val="4200"/>
+              <a:buNone/>
+              <a:defRPr sz="4200">
+                <a:solidFill>
+                  <a:srgbClr val="000000"/>
+                </a:solidFill>
+              </a:defRPr>
+            </a:lvl2pPr>
+            <a:lvl3pPr lvl="2" algn="ctr" rtl="0">
+              <a:spcBef>
+                <a:spcPts val="0"/>
+              </a:spcBef>
+              <a:spcAft>
+                <a:spcPts val="0"/>
+              </a:spcAft>
+              <a:buClr>
+                <a:srgbClr val="000000"/>
+              </a:buClr>
+              <a:buSzPts val="4200"/>
+              <a:buNone/>
+              <a:defRPr sz="4200">
+                <a:solidFill>
+                  <a:srgbClr val="000000"/>
+                </a:solidFill>
+              </a:defRPr>
+            </a:lvl3pPr>
+            <a:lvl4pPr lvl="3" algn="ctr" rtl="0">
+              <a:spcBef>
+                <a:spcPts val="0"/>
+              </a:spcBef>
+              <a:spcAft>
+                <a:spcPts val="0"/>
+              </a:spcAft>
+              <a:buClr>
+                <a:srgbClr val="000000"/>
+              </a:buClr>
+              <a:buSzPts val="4200"/>
+              <a:buNone/>
+              <a:defRPr sz="4200">
+                <a:solidFill>
+                  <a:srgbClr val="000000"/>
+                </a:solidFill>
+              </a:defRPr>
+            </a:lvl4pPr>
+            <a:lvl5pPr lvl="4" algn="ctr" rtl="0">
+              <a:spcBef>
+                <a:spcPts val="0"/>
+              </a:spcBef>
+              <a:spcAft>
+                <a:spcPts val="0"/>
+              </a:spcAft>
+              <a:buClr>
+                <a:srgbClr val="000000"/>
+              </a:buClr>
+              <a:buSzPts val="4200"/>
+              <a:buNone/>
+              <a:defRPr sz="4200">
+                <a:solidFill>
+                  <a:srgbClr val="000000"/>
+                </a:solidFill>
+              </a:defRPr>
+            </a:lvl5pPr>
+            <a:lvl6pPr lvl="5" algn="ctr" rtl="0">
+              <a:spcBef>
+                <a:spcPts val="0"/>
+              </a:spcBef>
+              <a:spcAft>
+                <a:spcPts val="0"/>
+              </a:spcAft>
+              <a:buClr>
+                <a:srgbClr val="000000"/>
+              </a:buClr>
+              <a:buSzPts val="4200"/>
+              <a:buNone/>
+              <a:defRPr sz="4200">
+                <a:solidFill>
+                  <a:srgbClr val="000000"/>
+                </a:solidFill>
+              </a:defRPr>
+            </a:lvl6pPr>
+            <a:lvl7pPr lvl="6" algn="ctr" rtl="0">
+              <a:spcBef>
+                <a:spcPts val="0"/>
+              </a:spcBef>
+              <a:spcAft>
+                <a:spcPts val="0"/>
+              </a:spcAft>
+              <a:buClr>
+                <a:srgbClr val="000000"/>
+              </a:buClr>
+              <a:buSzPts val="4200"/>
+              <a:buNone/>
+              <a:defRPr sz="4200">
+                <a:solidFill>
+                  <a:srgbClr val="000000"/>
+                </a:solidFill>
+              </a:defRPr>
+            </a:lvl7pPr>
+            <a:lvl8pPr lvl="7" algn="ctr" rtl="0">
+              <a:spcBef>
+                <a:spcPts val="0"/>
+              </a:spcBef>
+              <a:spcAft>
+                <a:spcPts val="0"/>
+              </a:spcAft>
+              <a:buClr>
+                <a:srgbClr val="000000"/>
+              </a:buClr>
+              <a:buSzPts val="4200"/>
+              <a:buNone/>
+              <a:defRPr sz="4200">
+                <a:solidFill>
+                  <a:srgbClr val="000000"/>
+                </a:solidFill>
+              </a:defRPr>
+            </a:lvl8pPr>
+            <a:lvl9pPr lvl="8" algn="ctr" rtl="0">
+              <a:spcBef>
+                <a:spcPts val="0"/>
+              </a:spcBef>
+              <a:spcAft>
+                <a:spcPts val="0"/>
+              </a:spcAft>
+              <a:buClr>
+                <a:srgbClr val="000000"/>
+              </a:buClr>
+              <a:buSzPts val="4200"/>
+              <a:buNone/>
+              <a:defRPr sz="4200">
+                <a:solidFill>
+                  <a:srgbClr val="000000"/>
+                </a:solidFill>
+              </a:defRPr>
+            </a:lvl9pPr>
+          </a:lstStyle>
+          <a:p>
+            <a:endParaRPr/>
+          </a:p>
+        </p:txBody>
+      </p:sp>
+      <p:sp>
+        <p:nvSpPr>
+          <p:cNvPr id="49" name="Google Shape;49;p9"/>
+          <p:cNvSpPr txBox="1">
+            <a:spLocks noGrp="1"/>
+          </p:cNvSpPr>
+          <p:nvPr>
+            <p:ph type="subTitle" idx="1"/>
+          </p:nvPr>
+        </p:nvSpPr>
+        <p:spPr>
+          <a:xfrm>
+            <a:off x="265500" y="2779467"/>
+            <a:ext cx="4045200" cy="1235100"/>
+          </a:xfrm>
+          <a:prstGeom prst="rect">
+            <a:avLst/>
+          </a:prstGeom>
+        </p:spPr>
+        <p:txBody>
+          <a:bodyPr spcFirstLastPara="1" wrap="square" lIns="91425" tIns="91425" rIns="91425" bIns="91425" anchor="t" anchorCtr="0">
+            <a:noAutofit/>
+          </a:bodyPr>
+          <a:lstStyle>
+            <a:lvl1pPr lvl="0" algn="ctr" rtl="0">
+              <a:lnSpc>
+                <a:spcPct val="100000"/>
+              </a:lnSpc>
+              <a:spcBef>
+                <a:spcPts val="0"/>
+              </a:spcBef>
+              <a:spcAft>
+                <a:spcPts val="0"/>
+              </a:spcAft>
+              <a:buClr>
+                <a:srgbClr val="000000"/>
+              </a:buClr>
+              <a:buSzPts val="2100"/>
+              <a:buNone/>
+              <a:defRPr sz="2100">
+                <a:solidFill>
+                  <a:srgbClr val="000000"/>
+                </a:solidFill>
+              </a:defRPr>
+            </a:lvl1pPr>
+            <a:lvl2pPr lvl="1" algn="ctr" rtl="0">
+              <a:lnSpc>
+                <a:spcPct val="100000"/>
+              </a:lnSpc>
+              <a:spcBef>
+                <a:spcPts val="0"/>
+              </a:spcBef>
+              <a:spcAft>
+                <a:spcPts val="0"/>
+              </a:spcAft>
+              <a:buClr>
+                <a:srgbClr val="000000"/>
+              </a:buClr>
+              <a:buSzPts val="2100"/>
+              <a:buNone/>
+              <a:defRPr sz="2100">
+                <a:solidFill>
+                  <a:srgbClr val="000000"/>
+                </a:solidFill>
+              </a:defRPr>
+            </a:lvl2pPr>
+            <a:lvl3pPr lvl="2" algn="ctr" rtl="0">
+              <a:lnSpc>
+                <a:spcPct val="100000"/>
+              </a:lnSpc>
+              <a:spcBef>
+                <a:spcPts val="0"/>
+              </a:spcBef>
+              <a:spcAft>
+                <a:spcPts val="0"/>
+              </a:spcAft>
+              <a:buClr>
+                <a:srgbClr val="000000"/>
+              </a:buClr>
+              <a:buSzPts val="2100"/>
+              <a:buNone/>
+              <a:defRPr sz="2100">
+                <a:solidFill>
+                  <a:srgbClr val="000000"/>
+                </a:solidFill>
+              </a:defRPr>
+            </a:lvl3pPr>
+            <a:lvl4pPr lvl="3" algn="ctr" rtl="0">
+              <a:lnSpc>
+                <a:spcPct val="100000"/>
+              </a:lnSpc>
+              <a:spcBef>
+                <a:spcPts val="0"/>
+              </a:spcBef>
+              <a:spcAft>
+                <a:spcPts val="0"/>
+              </a:spcAft>
+              <a:buClr>
+                <a:srgbClr val="000000"/>
+              </a:buClr>
+              <a:buSzPts val="2100"/>
+              <a:buNone/>
+              <a:defRPr sz="2100">
+                <a:solidFill>
+                  <a:srgbClr val="000000"/>
+                </a:solidFill>
+              </a:defRPr>
+            </a:lvl4pPr>
+            <a:lvl5pPr lvl="4" algn="ctr" rtl="0">
+              <a:lnSpc>
+                <a:spcPct val="100000"/>
+              </a:lnSpc>
+              <a:spcBef>
+                <a:spcPts val="0"/>
+              </a:spcBef>
+              <a:spcAft>
+                <a:spcPts val="0"/>
+              </a:spcAft>
+              <a:buClr>
+                <a:srgbClr val="000000"/>
+              </a:buClr>
+              <a:buSzPts val="2100"/>
+              <a:buNone/>
+              <a:defRPr sz="2100">
+                <a:solidFill>
+                  <a:srgbClr val="000000"/>
+                </a:solidFill>
+              </a:defRPr>
+            </a:lvl5pPr>
+            <a:lvl6pPr lvl="5" algn="ctr" rtl="0">
+              <a:lnSpc>
+                <a:spcPct val="100000"/>
+              </a:lnSpc>
+              <a:spcBef>
+                <a:spcPts val="0"/>
+              </a:spcBef>
+              <a:spcAft>
+                <a:spcPts val="0"/>
+              </a:spcAft>
+              <a:buClr>
+                <a:srgbClr val="000000"/>
+              </a:buClr>
+              <a:buSzPts val="2100"/>
+              <a:buNone/>
+              <a:defRPr sz="2100">
+                <a:solidFill>
+                  <a:srgbClr val="000000"/>
+                </a:solidFill>
+              </a:defRPr>
+            </a:lvl6pPr>
+            <a:lvl7pPr lvl="6" algn="ctr" rtl="0">
+              <a:lnSpc>
+                <a:spcPct val="100000"/>
+              </a:lnSpc>
+              <a:spcBef>
+                <a:spcPts val="0"/>
+              </a:spcBef>
+              <a:spcAft>
+                <a:spcPts val="0"/>
+              </a:spcAft>
+              <a:buClr>
+                <a:srgbClr val="000000"/>
+              </a:buClr>
+              <a:buSzPts val="2100"/>
+              <a:buNone/>
+              <a:defRPr sz="2100">
+                <a:solidFill>
+                  <a:srgbClr val="000000"/>
+                </a:solidFill>
+              </a:defRPr>
+            </a:lvl7pPr>
+            <a:lvl8pPr lvl="7" algn="ctr" rtl="0">
+              <a:lnSpc>
+                <a:spcPct val="100000"/>
+              </a:lnSpc>
+              <a:spcBef>
+                <a:spcPts val="0"/>
+              </a:spcBef>
+              <a:spcAft>
+                <a:spcPts val="0"/>
+              </a:spcAft>
+              <a:buClr>
+                <a:srgbClr val="000000"/>
+              </a:buClr>
+              <a:buSzPts val="2100"/>
+              <a:buNone/>
+              <a:defRPr sz="2100">
+                <a:solidFill>
+                  <a:srgbClr val="000000"/>
+                </a:solidFill>
+              </a:defRPr>
+            </a:lvl8pPr>
+            <a:lvl9pPr lvl="8" algn="ctr" rtl="0">
+              <a:lnSpc>
+                <a:spcPct val="100000"/>
+              </a:lnSpc>
+              <a:spcBef>
+                <a:spcPts val="0"/>
+              </a:spcBef>
+              <a:spcAft>
+                <a:spcPts val="0"/>
+              </a:spcAft>
+              <a:buClr>
+                <a:srgbClr val="000000"/>
+              </a:buClr>
+              <a:buSzPts val="2100"/>
+              <a:buNone/>
+              <a:defRPr sz="2100">
+                <a:solidFill>
+                  <a:srgbClr val="000000"/>
+                </a:solidFill>
+              </a:defRPr>
+            </a:lvl9pPr>
+          </a:lstStyle>
+          <a:p>
+            <a:endParaRPr/>
+          </a:p>
+        </p:txBody>
+      </p:sp>
+      <p:sp>
+        <p:nvSpPr>
+          <p:cNvPr id="50" name="Google Shape;50;p9"/>
+          <p:cNvSpPr txBox="1">
+            <a:spLocks noGrp="1"/>
+          </p:cNvSpPr>
+          <p:nvPr>
+            <p:ph type="body" idx="2"/>
+          </p:nvPr>
+        </p:nvSpPr>
+        <p:spPr>
+          <a:xfrm>
+            <a:off x="4939500" y="724200"/>
+            <a:ext cx="3837000" cy="3695100"/>
+          </a:xfrm>
+          <a:prstGeom prst="rect">
+            <a:avLst/>
+          </a:prstGeom>
+        </p:spPr>
+        <p:txBody>
+          <a:bodyPr spcFirstLastPara="1" wrap="square" lIns="91425" tIns="91425" rIns="91425" bIns="91425" anchor="ctr" anchorCtr="0">
+            <a:noAutofit/>
+          </a:bodyPr>
+          <a:lstStyle>
+            <a:lvl1pPr marL="457200" lvl="0" indent="-342900" rtl="0">
+              <a:spcBef>
+                <a:spcPts val="0"/>
+              </a:spcBef>
+              <a:spcAft>
+                <a:spcPts val="0"/>
+              </a:spcAft>
+              <a:buClr>
+                <a:schemeClr val="lt1"/>
+              </a:buClr>
+              <a:buSzPts val="1800"/>
+              <a:buChar char="●"/>
+              <a:defRPr>
+                <a:solidFill>
+                  <a:schemeClr val="lt1"/>
+                </a:solidFill>
+              </a:defRPr>
+            </a:lvl1pPr>
+            <a:lvl2pPr marL="914400" lvl="1" indent="-317500" rtl="0">
+              <a:spcBef>
+                <a:spcPts val="1600"/>
+              </a:spcBef>
+              <a:spcAft>
+                <a:spcPts val="0"/>
+              </a:spcAft>
+              <a:buClr>
+                <a:schemeClr val="lt1"/>
+              </a:buClr>
+              <a:buSzPts val="1400"/>
+              <a:buChar char="○"/>
+              <a:defRPr>
+                <a:solidFill>
+                  <a:schemeClr val="lt1"/>
+                </a:solidFill>
+              </a:defRPr>
+            </a:lvl2pPr>
+            <a:lvl3pPr marL="1371600" lvl="2" indent="-317500" rtl="0">
+              <a:spcBef>
+                <a:spcPts val="1600"/>
+              </a:spcBef>
+              <a:spcAft>
+                <a:spcPts val="0"/>
+              </a:spcAft>
+              <a:buClr>
+                <a:schemeClr val="lt1"/>
+              </a:buClr>
+              <a:buSzPts val="1400"/>
+              <a:buChar char="■"/>
+              <a:defRPr>
+                <a:solidFill>
+                  <a:schemeClr val="lt1"/>
+                </a:solidFill>
+              </a:defRPr>
+            </a:lvl3pPr>
+            <a:lvl4pPr marL="1828800" lvl="3" indent="-317500" rtl="0">
+              <a:spcBef>
+                <a:spcPts val="1600"/>
+              </a:spcBef>
+              <a:spcAft>
+                <a:spcPts val="0"/>
+              </a:spcAft>
+              <a:buClr>
+                <a:schemeClr val="lt1"/>
+              </a:buClr>
+              <a:buSzPts val="1400"/>
+              <a:buChar char="●"/>
+              <a:defRPr>
+                <a:solidFill>
+                  <a:schemeClr val="lt1"/>
+                </a:solidFill>
+              </a:defRPr>
+            </a:lvl4pPr>
+            <a:lvl5pPr marL="2286000" lvl="4" indent="-317500" rtl="0">
+              <a:spcBef>
+                <a:spcPts val="1600"/>
+              </a:spcBef>
+              <a:spcAft>
+                <a:spcPts val="0"/>
+              </a:spcAft>
+              <a:buClr>
+                <a:schemeClr val="lt1"/>
+              </a:buClr>
+              <a:buSzPts val="1400"/>
+              <a:buChar char="○"/>
+              <a:defRPr>
+                <a:solidFill>
+                  <a:schemeClr val="lt1"/>
+                </a:solidFill>
+              </a:defRPr>
+            </a:lvl5pPr>
+            <a:lvl6pPr marL="2743200" lvl="5" indent="-317500" rtl="0">
+              <a:spcBef>
+                <a:spcPts val="1600"/>
+              </a:spcBef>
+              <a:spcAft>
+                <a:spcPts val="0"/>
+              </a:spcAft>
+              <a:buClr>
+                <a:schemeClr val="lt1"/>
+              </a:buClr>
+              <a:buSzPts val="1400"/>
+              <a:buChar char="■"/>
+              <a:defRPr>
+                <a:solidFill>
+                  <a:schemeClr val="lt1"/>
+                </a:solidFill>
+              </a:defRPr>
+            </a:lvl6pPr>
+            <a:lvl7pPr marL="3200400" lvl="6" indent="-317500" rtl="0">
+              <a:spcBef>
+                <a:spcPts val="1600"/>
+              </a:spcBef>
+              <a:spcAft>
+                <a:spcPts val="0"/>
+              </a:spcAft>
+              <a:buClr>
+                <a:schemeClr val="lt1"/>
+              </a:buClr>
+              <a:buSzPts val="1400"/>
+              <a:buChar char="●"/>
+              <a:defRPr>
+                <a:solidFill>
+                  <a:schemeClr val="lt1"/>
+                </a:solidFill>
+              </a:defRPr>
+            </a:lvl7pPr>
+            <a:lvl8pPr marL="3657600" lvl="7" indent="-317500" rtl="0">
+              <a:spcBef>
+                <a:spcPts val="1600"/>
+              </a:spcBef>
+              <a:spcAft>
+                <a:spcPts val="0"/>
+              </a:spcAft>
+              <a:buClr>
+                <a:schemeClr val="lt1"/>
+              </a:buClr>
+              <a:buSzPts val="1400"/>
+              <a:buChar char="○"/>
+              <a:defRPr>
+                <a:solidFill>
+                  <a:schemeClr val="lt1"/>
+                </a:solidFill>
+              </a:defRPr>
+            </a:lvl8pPr>
+            <a:lvl9pPr marL="4114800" lvl="8" indent="-317500" rtl="0">
+              <a:spcBef>
+                <a:spcPts val="1600"/>
+              </a:spcBef>
+              <a:spcAft>
+                <a:spcPts val="1600"/>
+              </a:spcAft>
+              <a:buClr>
+                <a:schemeClr val="lt1"/>
+              </a:buClr>
+              <a:buSzPts val="1400"/>
+              <a:buChar char="■"/>
+              <a:defRPr>
+                <a:solidFill>
+                  <a:schemeClr val="lt1"/>
+                </a:solidFill>
+              </a:defRPr>
+            </a:lvl9pPr>
+          </a:lstStyle>
+          <a:p>
+            <a:endParaRPr/>
+          </a:p>
+        </p:txBody>
+      </p:sp>
+      <p:sp>
+        <p:nvSpPr>
+          <p:cNvPr id="51" name="Google Shape;51;p9"/>
+          <p:cNvSpPr txBox="1">
+            <a:spLocks noGrp="1"/>
+          </p:cNvSpPr>
+          <p:nvPr>
+            <p:ph type="sldNum" idx="12"/>
+          </p:nvPr>
+        </p:nvSpPr>
+        <p:spPr>
+          <a:xfrm>
+            <a:off x="8523541" y="4695623"/>
+            <a:ext cx="548700" cy="393600"/>
+          </a:xfrm>
+          <a:prstGeom prst="rect">
+            <a:avLst/>
+          </a:prstGeom>
+        </p:spPr>
+        <p:txBody>
+          <a:bodyPr spcFirstLastPara="1" wrap="square" lIns="91425" tIns="91425" rIns="91425" bIns="91425" anchor="ctr" anchorCtr="0">
+            <a:noAutofit/>
+          </a:bodyPr>
+          <a:lstStyle>
+            <a:lvl1pPr lvl="0" rtl="0">
+              <a:buNone/>
+              <a:defRPr>
+                <a:solidFill>
+                  <a:schemeClr val="lt1"/>
+                </a:solidFill>
+              </a:defRPr>
+            </a:lvl1pPr>
+            <a:lvl2pPr lvl="1" rtl="0">
+              <a:buNone/>
+              <a:defRPr>
+                <a:solidFill>
+                  <a:schemeClr val="lt1"/>
+                </a:solidFill>
+              </a:defRPr>
+            </a:lvl2pPr>
+            <a:lvl3pPr lvl="2" rtl="0">
+              <a:buNone/>
+              <a:defRPr>
+                <a:solidFill>
+                  <a:schemeClr val="lt1"/>
+                </a:solidFill>
+              </a:defRPr>
+            </a:lvl3pPr>
+            <a:lvl4pPr lvl="3" rtl="0">
+              <a:buNone/>
+              <a:defRPr>
+                <a:solidFill>
+                  <a:schemeClr val="lt1"/>
+                </a:solidFill>
+              </a:defRPr>
+            </a:lvl4pPr>
+            <a:lvl5pPr lvl="4" rtl="0">
+              <a:buNone/>
+              <a:defRPr>
+                <a:solidFill>
+                  <a:schemeClr val="lt1"/>
+                </a:solidFill>
+              </a:defRPr>
+            </a:lvl5pPr>
+            <a:lvl6pPr lvl="5" rtl="0">
+              <a:buNone/>
+              <a:defRPr>
+                <a:solidFill>
+                  <a:schemeClr val="lt1"/>
+                </a:solidFill>
+              </a:defRPr>
+            </a:lvl6pPr>
+            <a:lvl7pPr lvl="6" rtl="0">
+              <a:buNone/>
+              <a:defRPr>
+                <a:solidFill>
+                  <a:schemeClr val="lt1"/>
+                </a:solidFill>
+              </a:defRPr>
+            </a:lvl7pPr>
+            <a:lvl8pPr lvl="7" rtl="0">
+              <a:buNone/>
+              <a:defRPr>
+                <a:solidFill>
+                  <a:schemeClr val="lt1"/>
+                </a:solidFill>
+              </a:defRPr>
+            </a:lvl8pPr>
+            <a:lvl9pPr lvl="8" rtl="0">
+              <a:buNone/>
+              <a:defRPr>
+                <a:solidFill>
+                  <a:schemeClr val="lt1"/>
+                </a:solidFill>
+              </a:defRPr>
+            </a:lvl9pPr>
+          </a:lstStyle>
+          <a:p>
+            <a:pPr marL="0" lvl="0" indent="0" algn="r" rtl="0">
+              <a:spcBef>
+                <a:spcPts val="0"/>
+              </a:spcBef>
+              <a:spcAft>
+                <a:spcPts val="0"/>
+              </a:spcAft>
+              <a:buNone/>
+            </a:pPr>
+            <a:fld id="{00000000-1234-1234-1234-123412341234}" type="slidenum">
+              <a:rPr lang="en"/>
+              <a:t>‹#›</a:t>
+            </a:fld>
+            <a:endParaRPr/>
+          </a:p>
+        </p:txBody>
+      </p:sp>
+      <p:sp>
+        <p:nvSpPr>
+          <p:cNvPr id="47" name="Google Shape;47;p9"/>
+          <p:cNvSpPr/>
+          <p:nvPr userDrawn="1"/>
+        </p:nvSpPr>
+        <p:spPr>
+          <a:xfrm rot="5400000">
+            <a:off x="1967857" y="2517750"/>
+            <a:ext cx="5142900" cy="108600"/>
+          </a:xfrm>
+          <a:prstGeom prst="rect">
+            <a:avLst/>
+          </a:prstGeom>
+          <a:gradFill>
+            <a:gsLst>
+              <a:gs pos="0">
+                <a:srgbClr val="00003E"/>
+              </a:gs>
+              <a:gs pos="54000">
+                <a:srgbClr val="00397E"/>
+              </a:gs>
+              <a:gs pos="100000">
+                <a:srgbClr val="00619D"/>
+              </a:gs>
+            </a:gsLst>
+            <a:lin ang="16200038" scaled="0"/>
+          </a:gradFill>
+          <a:ln>
+            <a:noFill/>
+          </a:ln>
+        </p:spPr>
+        <p:txBody>
+          <a:bodyPr spcFirstLastPara="1" wrap="square" lIns="91425" tIns="91425" rIns="91425" bIns="91425" anchor="ctr" anchorCtr="0">
+            <a:noAutofit/>
+          </a:bodyPr>
+          <a:lstStyle/>
+          <a:p>
+            <a:pPr marL="0" lvl="0" indent="0" algn="l" rtl="0">
+              <a:spcBef>
+                <a:spcPts val="0"/>
+              </a:spcBef>
+              <a:spcAft>
+                <a:spcPts val="0"/>
+              </a:spcAft>
+              <a:buNone/>
+            </a:pPr>
+            <a:endParaRPr/>
+          </a:p>
+        </p:txBody>
+      </p:sp>
+    </p:spTree>
+    <p:extLst>
+      <p:ext uri="{BB962C8B-B14F-4D97-AF65-F5344CB8AC3E}">
+        <p14:creationId xmlns:p14="http://schemas.microsoft.com/office/powerpoint/2010/main" val="1657984469"/>
+      </p:ext>
+    </p:extLst>
+  </p:cSld>
+  <p:clrMapOvr>
+    <a:masterClrMapping/>
+  </p:clrMapOvr>
+  <p:timing>
+    <p:tnLst>
+      <p:par>
+        <p:cTn id="1" dur="indefinite" restart="never" nodeType="tmRoot"/>
+      </p:par>
+    </p:tnLst>
+  </p:timing>
+</p:sldLayout>
+</file>
+
 <file path=ppt/slideMasters/slideMaster1.xml><?xml version="1.0" encoding="utf-8"?>
 <p:sldMaster xmlns:a="http://schemas.openxmlformats.org/drawingml/2006/main" xmlns:r="http://schemas.openxmlformats.org/officeDocument/2006/relationships" xmlns:p="http://schemas.openxmlformats.org/presentationml/2006/main">
   <p:cSld name="material">
@@ -3906,6 +4864,7 @@
     <p:sldLayoutId id="2147483652" r:id="rId3"/>
     <p:sldLayoutId id="2147483653" r:id="rId4"/>
     <p:sldLayoutId id="2147483656" r:id="rId5"/>
+    <p:sldLayoutId id="2147483659" r:id="rId6"/>
   </p:sldLayoutIdLst>
   <p:hf sldNum="0" hdr="0" ftr="0" dt="0"/>
   <p:txStyles>
@@ -4617,100 +5576,6 @@
           <a:chExt cx="0" cy="0"/>
         </a:xfrm>
       </p:grpSpPr>
-      <p:sp>
-        <p:nvSpPr>
-          <p:cNvPr id="2" name="Title 1"/>
-          <p:cNvSpPr>
-            <a:spLocks noGrp="1"/>
-          </p:cNvSpPr>
-          <p:nvPr>
-            <p:ph type="title"/>
-          </p:nvPr>
-        </p:nvSpPr>
-        <p:spPr/>
-        <p:txBody>
-          <a:bodyPr/>
-          <a:lstStyle/>
-          <a:p>
-            <a:endParaRPr lang="en-US"/>
-          </a:p>
-        </p:txBody>
-      </p:sp>
-      <p:sp>
-        <p:nvSpPr>
-          <p:cNvPr id="3" name="Text Placeholder 2"/>
-          <p:cNvSpPr>
-            <a:spLocks noGrp="1"/>
-          </p:cNvSpPr>
-          <p:nvPr>
-            <p:ph type="body" idx="1"/>
-          </p:nvPr>
-        </p:nvSpPr>
-        <p:spPr/>
-        <p:txBody>
-          <a:bodyPr/>
-          <a:lstStyle/>
-          <a:p>
-            <a:endParaRPr lang="en-US"/>
-          </a:p>
-        </p:txBody>
-      </p:sp>
-      <p:sp>
-        <p:nvSpPr>
-          <p:cNvPr id="4" name="Text Placeholder 3"/>
-          <p:cNvSpPr>
-            <a:spLocks noGrp="1"/>
-          </p:cNvSpPr>
-          <p:nvPr>
-            <p:ph type="body" idx="13"/>
-          </p:nvPr>
-        </p:nvSpPr>
-        <p:spPr/>
-        <p:txBody>
-          <a:bodyPr/>
-          <a:lstStyle/>
-          <a:p>
-            <a:endParaRPr lang="en-US"/>
-          </a:p>
-        </p:txBody>
-      </p:sp>
-    </p:spTree>
-    <p:extLst>
-      <p:ext uri="{BB962C8B-B14F-4D97-AF65-F5344CB8AC3E}">
-        <p14:creationId xmlns:p14="http://schemas.microsoft.com/office/powerpoint/2010/main" val="2970295335"/>
-      </p:ext>
-    </p:extLst>
-  </p:cSld>
-  <p:clrMapOvr>
-    <a:masterClrMapping/>
-  </p:clrMapOvr>
-  <p:timing>
-    <p:tnLst>
-      <p:par>
-        <p:cTn id="1" dur="indefinite" restart="never" nodeType="tmRoot"/>
-      </p:par>
-    </p:tnLst>
-  </p:timing>
-</p:sld>
-</file>
-
-<file path=ppt/slides/slide2.xml><?xml version="1.0" encoding="utf-8"?>
-<p:sld xmlns:a="http://schemas.openxmlformats.org/drawingml/2006/main" xmlns:r="http://schemas.openxmlformats.org/officeDocument/2006/relationships" xmlns:p="http://schemas.openxmlformats.org/presentationml/2006/main">
-  <p:cSld>
-    <p:spTree>
-      <p:nvGrpSpPr>
-        <p:cNvPr id="1" name=""/>
-        <p:cNvGrpSpPr/>
-        <p:nvPr/>
-      </p:nvGrpSpPr>
-      <p:grpSpPr>
-        <a:xfrm>
-          <a:off x="0" y="0"/>
-          <a:ext cx="0" cy="0"/>
-          <a:chOff x="0" y="0"/>
-          <a:chExt cx="0" cy="0"/>
-        </a:xfrm>
-      </p:grpSpPr>
       <p:grpSp>
         <p:nvGrpSpPr>
           <p:cNvPr id="7" name="Group 6"/>
@@ -4990,6 +5855,667 @@
   <p:clrMapOvr>
     <a:masterClrMapping/>
   </p:clrMapOvr>
+  <p:timing>
+    <p:tnLst>
+      <p:par>
+        <p:cTn id="1" dur="indefinite" restart="never" nodeType="tmRoot"/>
+      </p:par>
+    </p:tnLst>
+  </p:timing>
+</p:sld>
+</file>
+
+<file path=ppt/slides/slide2.xml><?xml version="1.0" encoding="utf-8"?>
+<p:sld xmlns:a="http://schemas.openxmlformats.org/drawingml/2006/main" xmlns:r="http://schemas.openxmlformats.org/officeDocument/2006/relationships" xmlns:p="http://schemas.openxmlformats.org/presentationml/2006/main" show="0">
+  <p:cSld>
+    <p:spTree>
+      <p:nvGrpSpPr>
+        <p:cNvPr id="1" name="Shape 67"/>
+        <p:cNvGrpSpPr/>
+        <p:nvPr/>
+      </p:nvGrpSpPr>
+      <p:grpSpPr>
+        <a:xfrm>
+          <a:off x="0" y="0"/>
+          <a:ext cx="0" cy="0"/>
+          <a:chOff x="0" y="0"/>
+          <a:chExt cx="0" cy="0"/>
+        </a:xfrm>
+      </p:grpSpPr>
+      <p:sp>
+        <p:nvSpPr>
+          <p:cNvPr id="69" name="Google Shape;69;p13"/>
+          <p:cNvSpPr txBox="1">
+            <a:spLocks noGrp="1"/>
+          </p:cNvSpPr>
+          <p:nvPr>
+            <p:ph type="title"/>
+          </p:nvPr>
+        </p:nvSpPr>
+        <p:spPr>
+          <a:xfrm>
+            <a:off x="265500" y="1830600"/>
+            <a:ext cx="4045200" cy="1482300"/>
+          </a:xfrm>
+          <a:prstGeom prst="rect">
+            <a:avLst/>
+          </a:prstGeom>
+          <a:noFill/>
+        </p:spPr>
+        <p:txBody>
+          <a:bodyPr spcFirstLastPara="1" wrap="square" lIns="91425" tIns="91425" rIns="91425" bIns="91425" anchor="ctr" anchorCtr="0">
+            <a:noAutofit/>
+          </a:bodyPr>
+          <a:lstStyle/>
+          <a:p>
+            <a:pPr marL="0" lvl="0" indent="0" algn="ctr" rtl="0">
+              <a:spcBef>
+                <a:spcPts val="0"/>
+              </a:spcBef>
+              <a:spcAft>
+                <a:spcPts val="0"/>
+              </a:spcAft>
+              <a:buNone/>
+            </a:pPr>
+            <a:r>
+              <a:rPr lang="en" sz="4800" dirty="0" smtClean="0">
+                <a:solidFill>
+                  <a:schemeClr val="lt1"/>
+                </a:solidFill>
+              </a:rPr>
+              <a:t>Organization</a:t>
+            </a:r>
+            <a:br>
+              <a:rPr lang="en" sz="4800" dirty="0" smtClean="0">
+                <a:solidFill>
+                  <a:schemeClr val="lt1"/>
+                </a:solidFill>
+              </a:rPr>
+            </a:br>
+            <a:r>
+              <a:rPr lang="en" sz="4800" dirty="0" smtClean="0">
+                <a:solidFill>
+                  <a:schemeClr val="lt1"/>
+                </a:solidFill>
+              </a:rPr>
+              <a:t>Changes</a:t>
+            </a:r>
+            <a:endParaRPr sz="4800" dirty="0">
+              <a:solidFill>
+                <a:schemeClr val="lt1"/>
+              </a:solidFill>
+            </a:endParaRPr>
+          </a:p>
+        </p:txBody>
+      </p:sp>
+      <p:sp>
+        <p:nvSpPr>
+          <p:cNvPr id="70" name="Google Shape;70;p13"/>
+          <p:cNvSpPr txBox="1">
+            <a:spLocks noGrp="1"/>
+          </p:cNvSpPr>
+          <p:nvPr>
+            <p:ph type="body" idx="2"/>
+          </p:nvPr>
+        </p:nvSpPr>
+        <p:spPr>
+          <a:xfrm>
+            <a:off x="4939500" y="724200"/>
+            <a:ext cx="3837000" cy="3695100"/>
+          </a:xfrm>
+          <a:prstGeom prst="rect">
+            <a:avLst/>
+          </a:prstGeom>
+        </p:spPr>
+        <p:txBody>
+          <a:bodyPr spcFirstLastPara="1" wrap="square" lIns="91425" tIns="91425" rIns="91425" bIns="91425" anchor="ctr" anchorCtr="0">
+            <a:noAutofit/>
+          </a:bodyPr>
+          <a:lstStyle/>
+          <a:p>
+            <a:pPr marL="0" lvl="0" indent="0" algn="l" rtl="0">
+              <a:spcBef>
+                <a:spcPts val="0"/>
+              </a:spcBef>
+              <a:spcAft>
+                <a:spcPts val="1600"/>
+              </a:spcAft>
+              <a:buNone/>
+            </a:pPr>
+            <a:r>
+              <a:rPr lang="en" sz="2400" dirty="0" smtClean="0"/>
+              <a:t>This section contains some specific examples of suggested changes.</a:t>
+            </a:r>
+            <a:endParaRPr sz="2400" dirty="0"/>
+          </a:p>
+        </p:txBody>
+      </p:sp>
+    </p:spTree>
+    <p:extLst>
+      <p:ext uri="{BB962C8B-B14F-4D97-AF65-F5344CB8AC3E}">
+        <p14:creationId xmlns:p14="http://schemas.microsoft.com/office/powerpoint/2010/main" val="4217650602"/>
+      </p:ext>
+    </p:extLst>
+  </p:cSld>
+  <p:clrMapOvr>
+    <a:masterClrMapping/>
+  </p:clrMapOvr>
+  <mc:AlternateContent xmlns:mc="http://schemas.openxmlformats.org/markup-compatibility/2006" xmlns:p14="http://schemas.microsoft.com/office/powerpoint/2010/main">
+    <mc:Choice Requires="p14">
+      <p:transition spd="slow" p14:dur="2000"/>
+    </mc:Choice>
+    <mc:Fallback xmlns="">
+      <p:transition spd="slow"/>
+    </mc:Fallback>
+  </mc:AlternateContent>
+  <p:timing>
+    <p:tnLst>
+      <p:par>
+        <p:cTn id="1" dur="indefinite" restart="never" nodeType="tmRoot"/>
+      </p:par>
+    </p:tnLst>
+  </p:timing>
+</p:sld>
+</file>
+
+<file path=ppt/slides/slide3.xml><?xml version="1.0" encoding="utf-8"?>
+<p:sld xmlns:a="http://schemas.openxmlformats.org/drawingml/2006/main" xmlns:r="http://schemas.openxmlformats.org/officeDocument/2006/relationships" xmlns:p="http://schemas.openxmlformats.org/presentationml/2006/main" show="0">
+  <p:cSld>
+    <p:spTree>
+      <p:nvGrpSpPr>
+        <p:cNvPr id="1" name=""/>
+        <p:cNvGrpSpPr/>
+        <p:nvPr/>
+      </p:nvGrpSpPr>
+      <p:grpSpPr>
+        <a:xfrm>
+          <a:off x="0" y="0"/>
+          <a:ext cx="0" cy="0"/>
+          <a:chOff x="0" y="0"/>
+          <a:chExt cx="0" cy="0"/>
+        </a:xfrm>
+      </p:grpSpPr>
+      <p:sp>
+        <p:nvSpPr>
+          <p:cNvPr id="5" name="Title 4"/>
+          <p:cNvSpPr>
+            <a:spLocks noGrp="1"/>
+          </p:cNvSpPr>
+          <p:nvPr>
+            <p:ph type="title"/>
+          </p:nvPr>
+        </p:nvSpPr>
+        <p:spPr/>
+        <p:txBody>
+          <a:bodyPr/>
+          <a:lstStyle/>
+          <a:p>
+            <a:r>
+              <a:rPr lang="en-US" dirty="0" smtClean="0"/>
+              <a:t>Support Line Width</a:t>
+            </a:r>
+            <a:endParaRPr lang="en-US" dirty="0"/>
+          </a:p>
+        </p:txBody>
+      </p:sp>
+      <p:sp>
+        <p:nvSpPr>
+          <p:cNvPr id="6" name="Text Placeholder 5"/>
+          <p:cNvSpPr>
+            <a:spLocks noGrp="1"/>
+          </p:cNvSpPr>
+          <p:nvPr>
+            <p:ph type="body" idx="1"/>
+          </p:nvPr>
+        </p:nvSpPr>
+        <p:spPr/>
+        <p:txBody>
+          <a:bodyPr/>
+          <a:lstStyle/>
+          <a:p>
+            <a:r>
+              <a:rPr lang="en-US" dirty="0"/>
+              <a:t>Support Line Width is the only one of these settings that is “linked” and that is an indication something is wrong.</a:t>
+            </a:r>
+          </a:p>
+          <a:p>
+            <a:pPr lvl="1"/>
+            <a:r>
+              <a:rPr lang="en-US" dirty="0" smtClean="0"/>
+              <a:t>In </a:t>
+            </a:r>
+            <a:r>
+              <a:rPr lang="en-US" dirty="0"/>
+              <a:t>this case, the setting is organized in the right place, but its behavior is wrong</a:t>
+            </a:r>
+            <a:r>
+              <a:rPr lang="en-US" dirty="0" smtClean="0"/>
+              <a:t>.</a:t>
+            </a:r>
+          </a:p>
+          <a:p>
+            <a:pPr lvl="1"/>
+            <a:r>
+              <a:rPr lang="en-US" dirty="0" smtClean="0"/>
+              <a:t>Line </a:t>
+            </a:r>
+            <a:r>
+              <a:rPr lang="en-US" dirty="0"/>
+              <a:t>widths are more closely associated with nozzle size (extruder</a:t>
+            </a:r>
+            <a:r>
+              <a:rPr lang="en-US" dirty="0" smtClean="0"/>
+              <a:t>).</a:t>
+            </a:r>
+          </a:p>
+          <a:p>
+            <a:pPr lvl="1"/>
+            <a:r>
+              <a:rPr lang="en-US" dirty="0" smtClean="0"/>
+              <a:t>Each extruder needs its own Support Line Width.</a:t>
+            </a:r>
+          </a:p>
+        </p:txBody>
+      </p:sp>
+      <p:pic>
+        <p:nvPicPr>
+          <p:cNvPr id="9" name="Picture 8"/>
+          <p:cNvPicPr>
+            <a:picLocks noChangeAspect="1"/>
+          </p:cNvPicPr>
+          <p:nvPr/>
+        </p:nvPicPr>
+        <p:blipFill rotWithShape="1">
+          <a:blip r:embed="rId2"/>
+          <a:srcRect b="1583"/>
+          <a:stretch/>
+        </p:blipFill>
+        <p:spPr>
+          <a:xfrm>
+            <a:off x="5015381" y="1385656"/>
+            <a:ext cx="3896269" cy="3272070"/>
+          </a:xfrm>
+          <a:prstGeom prst="rect">
+            <a:avLst/>
+          </a:prstGeom>
+        </p:spPr>
+      </p:pic>
+    </p:spTree>
+    <p:extLst>
+      <p:ext uri="{BB962C8B-B14F-4D97-AF65-F5344CB8AC3E}">
+        <p14:creationId xmlns:p14="http://schemas.microsoft.com/office/powerpoint/2010/main" val="2975339069"/>
+      </p:ext>
+    </p:extLst>
+  </p:cSld>
+  <p:clrMapOvr>
+    <a:masterClrMapping/>
+  </p:clrMapOvr>
+  <mc:AlternateContent xmlns:mc="http://schemas.openxmlformats.org/markup-compatibility/2006" xmlns:p14="http://schemas.microsoft.com/office/powerpoint/2010/main">
+    <mc:Choice Requires="p14">
+      <p:transition spd="slow" p14:dur="2000"/>
+    </mc:Choice>
+    <mc:Fallback xmlns="">
+      <p:transition spd="slow"/>
+    </mc:Fallback>
+  </mc:AlternateContent>
+  <p:timing>
+    <p:tnLst>
+      <p:par>
+        <p:cTn id="1" dur="indefinite" restart="never" nodeType="tmRoot"/>
+      </p:par>
+    </p:tnLst>
+  </p:timing>
+</p:sld>
+</file>
+
+<file path=ppt/slides/slide4.xml><?xml version="1.0" encoding="utf-8"?>
+<p:sld xmlns:a="http://schemas.openxmlformats.org/drawingml/2006/main" xmlns:r="http://schemas.openxmlformats.org/officeDocument/2006/relationships" xmlns:p="http://schemas.openxmlformats.org/presentationml/2006/main" show="0">
+  <p:cSld>
+    <p:spTree>
+      <p:nvGrpSpPr>
+        <p:cNvPr id="1" name=""/>
+        <p:cNvGrpSpPr/>
+        <p:nvPr/>
+      </p:nvGrpSpPr>
+      <p:grpSpPr>
+        <a:xfrm>
+          <a:off x="0" y="0"/>
+          <a:ext cx="0" cy="0"/>
+          <a:chOff x="0" y="0"/>
+          <a:chExt cx="0" cy="0"/>
+        </a:xfrm>
+      </p:grpSpPr>
+      <p:sp>
+        <p:nvSpPr>
+          <p:cNvPr id="5" name="Title 4"/>
+          <p:cNvSpPr>
+            <a:spLocks noGrp="1"/>
+          </p:cNvSpPr>
+          <p:nvPr>
+            <p:ph type="title"/>
+          </p:nvPr>
+        </p:nvSpPr>
+        <p:spPr/>
+        <p:txBody>
+          <a:bodyPr/>
+          <a:lstStyle/>
+          <a:p>
+            <a:r>
+              <a:rPr lang="en-US" dirty="0" smtClean="0"/>
+              <a:t>Support Line Width</a:t>
+            </a:r>
+            <a:endParaRPr lang="en-US" dirty="0"/>
+          </a:p>
+        </p:txBody>
+      </p:sp>
+      <p:sp>
+        <p:nvSpPr>
+          <p:cNvPr id="6" name="Text Placeholder 5"/>
+          <p:cNvSpPr>
+            <a:spLocks noGrp="1"/>
+          </p:cNvSpPr>
+          <p:nvPr>
+            <p:ph type="body" idx="1"/>
+          </p:nvPr>
+        </p:nvSpPr>
+        <p:spPr/>
+        <p:txBody>
+          <a:bodyPr/>
+          <a:lstStyle/>
+          <a:p>
+            <a:r>
+              <a:rPr lang="en-US" dirty="0" smtClean="0"/>
+              <a:t>Imagine the case where there is one 0.4 mm nozzle and one 0.8 mm nozzle size loaded.</a:t>
+            </a:r>
+          </a:p>
+          <a:p>
+            <a:pPr lvl="1"/>
+            <a:r>
+              <a:rPr lang="en-US" dirty="0" smtClean="0"/>
+              <a:t>You have to first select which nozzle is used for support, then go back and set the support line width.  This is awkward and unnecessary.</a:t>
+            </a:r>
+          </a:p>
+          <a:p>
+            <a:pPr lvl="1"/>
+            <a:r>
+              <a:rPr lang="en-US" dirty="0" smtClean="0"/>
+              <a:t>How is case of support interface versus support infill handled?  One of the nozzles is going to be printing with the wrong Support Line Width for its size.</a:t>
+            </a:r>
+            <a:endParaRPr lang="en-US" dirty="0"/>
+          </a:p>
+        </p:txBody>
+      </p:sp>
+      <p:pic>
+        <p:nvPicPr>
+          <p:cNvPr id="9" name="Picture 8"/>
+          <p:cNvPicPr>
+            <a:picLocks noChangeAspect="1"/>
+          </p:cNvPicPr>
+          <p:nvPr/>
+        </p:nvPicPr>
+        <p:blipFill rotWithShape="1">
+          <a:blip r:embed="rId2"/>
+          <a:srcRect t="67476" b="7312"/>
+          <a:stretch/>
+        </p:blipFill>
+        <p:spPr>
+          <a:xfrm>
+            <a:off x="4949441" y="2000250"/>
+            <a:ext cx="3896269" cy="838200"/>
+          </a:xfrm>
+          <a:prstGeom prst="rect">
+            <a:avLst/>
+          </a:prstGeom>
+        </p:spPr>
+      </p:pic>
+      <p:pic>
+        <p:nvPicPr>
+          <p:cNvPr id="2" name="Picture 1"/>
+          <p:cNvPicPr>
+            <a:picLocks noChangeAspect="1"/>
+          </p:cNvPicPr>
+          <p:nvPr/>
+        </p:nvPicPr>
+        <p:blipFill>
+          <a:blip r:embed="rId3"/>
+          <a:stretch>
+            <a:fillRect/>
+          </a:stretch>
+        </p:blipFill>
+        <p:spPr>
+          <a:xfrm>
+            <a:off x="4930388" y="4006175"/>
+            <a:ext cx="3934374" cy="1019317"/>
+          </a:xfrm>
+          <a:prstGeom prst="rect">
+            <a:avLst/>
+          </a:prstGeom>
+        </p:spPr>
+      </p:pic>
+      <p:pic>
+        <p:nvPicPr>
+          <p:cNvPr id="3" name="Picture 2"/>
+          <p:cNvPicPr>
+            <a:picLocks noChangeAspect="1"/>
+          </p:cNvPicPr>
+          <p:nvPr/>
+        </p:nvPicPr>
+        <p:blipFill>
+          <a:blip r:embed="rId4"/>
+          <a:stretch>
+            <a:fillRect/>
+          </a:stretch>
+        </p:blipFill>
+        <p:spPr>
+          <a:xfrm>
+            <a:off x="5034434" y="1291189"/>
+            <a:ext cx="3877216" cy="276264"/>
+          </a:xfrm>
+          <a:prstGeom prst="rect">
+            <a:avLst/>
+          </a:prstGeom>
+        </p:spPr>
+      </p:pic>
+      <p:pic>
+        <p:nvPicPr>
+          <p:cNvPr id="4" name="Picture 3"/>
+          <p:cNvPicPr>
+            <a:picLocks noChangeAspect="1"/>
+          </p:cNvPicPr>
+          <p:nvPr/>
+        </p:nvPicPr>
+        <p:blipFill>
+          <a:blip r:embed="rId5"/>
+          <a:stretch>
+            <a:fillRect/>
+          </a:stretch>
+        </p:blipFill>
+        <p:spPr>
+          <a:xfrm>
+            <a:off x="5034434" y="681629"/>
+            <a:ext cx="3877216" cy="276264"/>
+          </a:xfrm>
+          <a:prstGeom prst="rect">
+            <a:avLst/>
+          </a:prstGeom>
+        </p:spPr>
+      </p:pic>
+      <p:sp>
+        <p:nvSpPr>
+          <p:cNvPr id="7" name="TextBox 6"/>
+          <p:cNvSpPr txBox="1"/>
+          <p:nvPr/>
+        </p:nvSpPr>
+        <p:spPr>
+          <a:xfrm>
+            <a:off x="6670590" y="971337"/>
+            <a:ext cx="453970" cy="307777"/>
+          </a:xfrm>
+          <a:prstGeom prst="rect">
+            <a:avLst/>
+          </a:prstGeom>
+          <a:noFill/>
+        </p:spPr>
+        <p:txBody>
+          <a:bodyPr wrap="none" rtlCol="0">
+            <a:spAutoFit/>
+          </a:bodyPr>
+          <a:lstStyle/>
+          <a:p>
+            <a:r>
+              <a:rPr lang="en-US" b="1" dirty="0" smtClean="0">
+                <a:solidFill>
+                  <a:srgbClr val="FF0000"/>
+                </a:solidFill>
+              </a:rPr>
+              <a:t>OR</a:t>
+            </a:r>
+            <a:endParaRPr lang="en-US" b="1" dirty="0">
+              <a:solidFill>
+                <a:srgbClr val="FF0000"/>
+              </a:solidFill>
+            </a:endParaRPr>
+          </a:p>
+        </p:txBody>
+      </p:sp>
+      <p:sp>
+        <p:nvSpPr>
+          <p:cNvPr id="8" name="Oval 7"/>
+          <p:cNvSpPr/>
+          <p:nvPr/>
+        </p:nvSpPr>
+        <p:spPr>
+          <a:xfrm>
+            <a:off x="4491697" y="901852"/>
+            <a:ext cx="457741" cy="466965"/>
+          </a:xfrm>
+          <a:prstGeom prst="ellipse">
+            <a:avLst/>
+          </a:prstGeom>
+          <a:solidFill>
+            <a:schemeClr val="bg1"/>
+          </a:solidFill>
+          <a:ln>
+            <a:solidFill>
+              <a:srgbClr val="FF0000"/>
+            </a:solidFill>
+          </a:ln>
+        </p:spPr>
+        <p:style>
+          <a:lnRef idx="2">
+            <a:schemeClr val="accent1">
+              <a:shade val="50000"/>
+            </a:schemeClr>
+          </a:lnRef>
+          <a:fillRef idx="1">
+            <a:schemeClr val="accent1"/>
+          </a:fillRef>
+          <a:effectRef idx="0">
+            <a:schemeClr val="accent1"/>
+          </a:effectRef>
+          <a:fontRef idx="minor">
+            <a:schemeClr val="lt1"/>
+          </a:fontRef>
+        </p:style>
+        <p:txBody>
+          <a:bodyPr rtlCol="0" anchor="ctr"/>
+          <a:lstStyle/>
+          <a:p>
+            <a:pPr algn="ctr"/>
+            <a:r>
+              <a:rPr lang="en-US" sz="1600" b="1" dirty="0" smtClean="0">
+                <a:solidFill>
+                  <a:srgbClr val="FF0000"/>
+                </a:solidFill>
+              </a:rPr>
+              <a:t>1</a:t>
+            </a:r>
+            <a:endParaRPr lang="en-US" sz="1600" b="1" dirty="0">
+              <a:solidFill>
+                <a:srgbClr val="FF0000"/>
+              </a:solidFill>
+            </a:endParaRPr>
+          </a:p>
+        </p:txBody>
+      </p:sp>
+      <p:sp>
+        <p:nvSpPr>
+          <p:cNvPr id="10" name="Oval 9"/>
+          <p:cNvSpPr/>
+          <p:nvPr/>
+        </p:nvSpPr>
+        <p:spPr>
+          <a:xfrm>
+            <a:off x="4491697" y="2221761"/>
+            <a:ext cx="457741" cy="466965"/>
+          </a:xfrm>
+          <a:prstGeom prst="ellipse">
+            <a:avLst/>
+          </a:prstGeom>
+          <a:solidFill>
+            <a:schemeClr val="bg1"/>
+          </a:solidFill>
+          <a:ln>
+            <a:solidFill>
+              <a:srgbClr val="FF0000"/>
+            </a:solidFill>
+          </a:ln>
+        </p:spPr>
+        <p:style>
+          <a:lnRef idx="2">
+            <a:schemeClr val="accent1">
+              <a:shade val="50000"/>
+            </a:schemeClr>
+          </a:lnRef>
+          <a:fillRef idx="1">
+            <a:schemeClr val="accent1"/>
+          </a:fillRef>
+          <a:effectRef idx="0">
+            <a:schemeClr val="accent1"/>
+          </a:effectRef>
+          <a:fontRef idx="minor">
+            <a:schemeClr val="lt1"/>
+          </a:fontRef>
+        </p:style>
+        <p:txBody>
+          <a:bodyPr rtlCol="0" anchor="ctr"/>
+          <a:lstStyle/>
+          <a:p>
+            <a:pPr algn="ctr"/>
+            <a:r>
+              <a:rPr lang="en-US" sz="1600" b="1" dirty="0" smtClean="0">
+                <a:solidFill>
+                  <a:srgbClr val="FF0000"/>
+                </a:solidFill>
+              </a:rPr>
+              <a:t>2</a:t>
+            </a:r>
+            <a:endParaRPr lang="en-US" sz="1600" b="1" dirty="0">
+              <a:solidFill>
+                <a:srgbClr val="FF0000"/>
+              </a:solidFill>
+            </a:endParaRPr>
+          </a:p>
+        </p:txBody>
+      </p:sp>
+    </p:spTree>
+    <p:extLst>
+      <p:ext uri="{BB962C8B-B14F-4D97-AF65-F5344CB8AC3E}">
+        <p14:creationId xmlns:p14="http://schemas.microsoft.com/office/powerpoint/2010/main" val="77071871"/>
+      </p:ext>
+    </p:extLst>
+  </p:cSld>
+  <p:clrMapOvr>
+    <a:masterClrMapping/>
+  </p:clrMapOvr>
+  <mc:AlternateContent xmlns:mc="http://schemas.openxmlformats.org/markup-compatibility/2006" xmlns:p14="http://schemas.microsoft.com/office/powerpoint/2010/main">
+    <mc:Choice Requires="p14">
+      <p:transition spd="slow" p14:dur="2000"/>
+    </mc:Choice>
+    <mc:Fallback xmlns="">
+      <p:transition spd="slow"/>
+    </mc:Fallback>
+  </mc:AlternateContent>
   <p:timing>
     <p:tnLst>
       <p:par>
